--- a/QingnanFan_files/thumbnail.pptx
+++ b/QingnanFan_files/thumbnail.pptx
@@ -4644,6 +4644,133 @@
           </a:p>
         </p:txBody>
       </p:sp>
+      <p:pic>
+        <p:nvPicPr>
+          <p:cNvPr id="13" name="图片 12">
+            <a:extLst>
+              <a:ext uri="{FF2B5EF4-FFF2-40B4-BE49-F238E27FC236}">
+                <a16:creationId xmlns:a16="http://schemas.microsoft.com/office/drawing/2014/main" id="{4EECEC4F-3638-42D6-9F58-D942CA0C19C8}"/>
+              </a:ext>
+            </a:extLst>
+          </p:cNvPr>
+          <p:cNvPicPr>
+            <a:picLocks noChangeAspect="1"/>
+          </p:cNvPicPr>
+          <p:nvPr/>
+        </p:nvPicPr>
+        <p:blipFill>
+          <a:blip r:embed="rId6"/>
+          <a:stretch>
+            <a:fillRect/>
+          </a:stretch>
+        </p:blipFill>
+        <p:spPr>
+          <a:xfrm>
+            <a:off x="414396" y="4234920"/>
+            <a:ext cx="2298882" cy="3130858"/>
+          </a:xfrm>
+          <a:prstGeom prst="rect">
+            <a:avLst/>
+          </a:prstGeom>
+        </p:spPr>
+      </p:pic>
+      <p:pic>
+        <p:nvPicPr>
+          <p:cNvPr id="14" name="图片 13">
+            <a:extLst>
+              <a:ext uri="{FF2B5EF4-FFF2-40B4-BE49-F238E27FC236}">
+                <a16:creationId xmlns:a16="http://schemas.microsoft.com/office/drawing/2014/main" id="{E71A675D-C3BB-4CD3-B52A-A0D4B7A6B373}"/>
+              </a:ext>
+            </a:extLst>
+          </p:cNvPr>
+          <p:cNvPicPr>
+            <a:picLocks noChangeAspect="1"/>
+          </p:cNvPicPr>
+          <p:nvPr/>
+        </p:nvPicPr>
+        <p:blipFill>
+          <a:blip r:embed="rId8"/>
+          <a:stretch>
+            <a:fillRect/>
+          </a:stretch>
+        </p:blipFill>
+        <p:spPr>
+          <a:xfrm>
+            <a:off x="2757256" y="4243798"/>
+            <a:ext cx="2276988" cy="3123560"/>
+          </a:xfrm>
+          <a:prstGeom prst="rect">
+            <a:avLst/>
+          </a:prstGeom>
+        </p:spPr>
+      </p:pic>
+      <p:sp>
+        <p:nvSpPr>
+          <p:cNvPr id="15" name="箭头: 右 14">
+            <a:extLst>
+              <a:ext uri="{FF2B5EF4-FFF2-40B4-BE49-F238E27FC236}">
+                <a16:creationId xmlns:a16="http://schemas.microsoft.com/office/drawing/2014/main" id="{6E0402B6-537D-4200-9FB3-D9462DDBEA2A}"/>
+              </a:ext>
+            </a:extLst>
+          </p:cNvPr>
+          <p:cNvSpPr/>
+          <p:nvPr/>
+        </p:nvSpPr>
+        <p:spPr>
+          <a:xfrm>
+            <a:off x="2341928" y="5513724"/>
+            <a:ext cx="848825" cy="573250"/>
+          </a:xfrm>
+          <a:prstGeom prst="rightArrow">
+            <a:avLst/>
+          </a:prstGeom>
+          <a:solidFill>
+            <a:schemeClr val="accent2">
+              <a:lumMod val="60000"/>
+              <a:lumOff val="40000"/>
+            </a:schemeClr>
+          </a:solidFill>
+          <a:ln>
+            <a:solidFill>
+              <a:schemeClr val="accent2">
+                <a:lumMod val="20000"/>
+                <a:lumOff val="80000"/>
+              </a:schemeClr>
+            </a:solidFill>
+          </a:ln>
+          <a:effectLst>
+            <a:outerShdw blurRad="50800" dist="38100" dir="2700000" algn="tl" rotWithShape="0">
+              <a:prstClr val="black">
+                <a:alpha val="40000"/>
+              </a:prstClr>
+            </a:outerShdw>
+          </a:effectLst>
+        </p:spPr>
+        <p:style>
+          <a:lnRef idx="2">
+            <a:schemeClr val="accent1">
+              <a:shade val="50000"/>
+            </a:schemeClr>
+          </a:lnRef>
+          <a:fillRef idx="1">
+            <a:schemeClr val="accent1"/>
+          </a:fillRef>
+          <a:effectRef idx="0">
+            <a:schemeClr val="accent1"/>
+          </a:effectRef>
+          <a:fontRef idx="minor">
+            <a:schemeClr val="lt1"/>
+          </a:fontRef>
+        </p:style>
+        <p:txBody>
+          <a:bodyPr rtlCol="0" anchor="ctr"/>
+          <a:lstStyle/>
+          <a:p>
+            <a:pPr algn="ctr"/>
+            <a:endParaRPr lang="zh-CN" altLang="en-US" sz="1600" b="1"/>
+          </a:p>
+        </p:txBody>
+      </p:sp>
     </p:spTree>
     <p:extLst>
       <p:ext uri="{BB962C8B-B14F-4D97-AF65-F5344CB8AC3E}">
@@ -4676,10 +4803,10 @@
       </p:grpSpPr>
       <p:pic>
         <p:nvPicPr>
-          <p:cNvPr id="2" name="图片 1">
-            <a:extLst>
-              <a:ext uri="{FF2B5EF4-FFF2-40B4-BE49-F238E27FC236}">
-                <a16:creationId xmlns:a16="http://schemas.microsoft.com/office/drawing/2014/main" id="{785A70CF-52B5-4A7C-AD57-210A86E1ABB2}"/>
+          <p:cNvPr id="12" name="图片 11">
+            <a:extLst>
+              <a:ext uri="{FF2B5EF4-FFF2-40B4-BE49-F238E27FC236}">
+                <a16:creationId xmlns:a16="http://schemas.microsoft.com/office/drawing/2014/main" id="{D9B1887C-B624-48FD-A9C1-12682A7C222D}"/>
               </a:ext>
             </a:extLst>
           </p:cNvPr>
@@ -4696,20 +4823,21 @@
         </p:blipFill>
         <p:spPr>
           <a:xfrm>
-            <a:off x="4464141" y="3353440"/>
-            <a:ext cx="2298882" cy="3130858"/>
+            <a:off x="3870528" y="244199"/>
+            <a:ext cx="2284286" cy="3108964"/>
           </a:xfrm>
           <a:prstGeom prst="rect">
             <a:avLst/>
           </a:prstGeom>
+          <a:noFill/>
         </p:spPr>
       </p:pic>
       <p:pic>
         <p:nvPicPr>
-          <p:cNvPr id="11" name="图片 10">
-            <a:extLst>
-              <a:ext uri="{FF2B5EF4-FFF2-40B4-BE49-F238E27FC236}">
-                <a16:creationId xmlns:a16="http://schemas.microsoft.com/office/drawing/2014/main" id="{0B655A30-B8DB-4AC8-AC32-0098226F5C74}"/>
+          <p:cNvPr id="10" name="图片 9">
+            <a:extLst>
+              <a:ext uri="{FF2B5EF4-FFF2-40B4-BE49-F238E27FC236}">
+                <a16:creationId xmlns:a16="http://schemas.microsoft.com/office/drawing/2014/main" id="{C7C7C087-3C6B-4573-9759-E3D597877E9F}"/>
               </a:ext>
             </a:extLst>
           </p:cNvPr>
@@ -4726,20 +4854,50 @@
         </p:blipFill>
         <p:spPr>
           <a:xfrm>
-            <a:off x="6807001" y="3362318"/>
-            <a:ext cx="2276988" cy="3123560"/>
+            <a:off x="1696350" y="3429000"/>
+            <a:ext cx="2298882" cy="3130858"/>
           </a:xfrm>
           <a:prstGeom prst="rect">
             <a:avLst/>
           </a:prstGeom>
         </p:spPr>
       </p:pic>
-      <p:sp>
-        <p:nvSpPr>
-          <p:cNvPr id="8" name="箭头: 右 7">
-            <a:extLst>
-              <a:ext uri="{FF2B5EF4-FFF2-40B4-BE49-F238E27FC236}">
-                <a16:creationId xmlns:a16="http://schemas.microsoft.com/office/drawing/2014/main" id="{BEEF4938-3B68-4E68-9AA1-7E1A2D3BA9CE}"/>
+      <p:pic>
+        <p:nvPicPr>
+          <p:cNvPr id="13" name="图片 12">
+            <a:extLst>
+              <a:ext uri="{FF2B5EF4-FFF2-40B4-BE49-F238E27FC236}">
+                <a16:creationId xmlns:a16="http://schemas.microsoft.com/office/drawing/2014/main" id="{173E23E7-8ACF-4D0A-B222-14BE1D636C5C}"/>
+              </a:ext>
+            </a:extLst>
+          </p:cNvPr>
+          <p:cNvPicPr>
+            <a:picLocks noChangeAspect="1"/>
+          </p:cNvPicPr>
+          <p:nvPr/>
+        </p:nvPicPr>
+        <p:blipFill>
+          <a:blip r:embed="rId4"/>
+          <a:stretch>
+            <a:fillRect/>
+          </a:stretch>
+        </p:blipFill>
+        <p:spPr>
+          <a:xfrm>
+            <a:off x="6030113" y="3429000"/>
+            <a:ext cx="2276988" cy="3123560"/>
+          </a:xfrm>
+          <a:prstGeom prst="rect">
+            <a:avLst/>
+          </a:prstGeom>
+        </p:spPr>
+      </p:pic>
+      <p:sp>
+        <p:nvSpPr>
+          <p:cNvPr id="14" name="箭头: 右 13">
+            <a:extLst>
+              <a:ext uri="{FF2B5EF4-FFF2-40B4-BE49-F238E27FC236}">
+                <a16:creationId xmlns:a16="http://schemas.microsoft.com/office/drawing/2014/main" id="{9491C07F-6C82-4CBE-A2CB-089C00730594}"/>
               </a:ext>
             </a:extLst>
           </p:cNvPr>
@@ -4748,8 +4906,75 @@
         </p:nvSpPr>
         <p:spPr>
           <a:xfrm>
-            <a:off x="6391673" y="4632244"/>
-            <a:ext cx="848825" cy="573250"/>
+            <a:off x="4277219" y="4649786"/>
+            <a:ext cx="1523217" cy="689286"/>
+          </a:xfrm>
+          <a:prstGeom prst="rightArrow">
+            <a:avLst/>
+          </a:prstGeom>
+          <a:solidFill>
+            <a:schemeClr val="accent2">
+              <a:lumMod val="60000"/>
+              <a:lumOff val="40000"/>
+            </a:schemeClr>
+          </a:solidFill>
+          <a:ln>
+            <a:solidFill>
+              <a:schemeClr val="accent2">
+                <a:lumMod val="20000"/>
+                <a:lumOff val="80000"/>
+              </a:schemeClr>
+            </a:solidFill>
+          </a:ln>
+          <a:effectLst>
+            <a:outerShdw blurRad="50800" dist="38100" dir="2700000" algn="tl" rotWithShape="0">
+              <a:prstClr val="black">
+                <a:alpha val="40000"/>
+              </a:prstClr>
+            </a:outerShdw>
+          </a:effectLst>
+        </p:spPr>
+        <p:style>
+          <a:lnRef idx="2">
+            <a:schemeClr val="accent1">
+              <a:shade val="50000"/>
+            </a:schemeClr>
+          </a:lnRef>
+          <a:fillRef idx="1">
+            <a:schemeClr val="accent1"/>
+          </a:fillRef>
+          <a:effectRef idx="0">
+            <a:schemeClr val="accent1"/>
+          </a:effectRef>
+          <a:fontRef idx="minor">
+            <a:schemeClr val="lt1"/>
+          </a:fontRef>
+        </p:style>
+        <p:txBody>
+          <a:bodyPr rtlCol="0" anchor="ctr"/>
+          <a:lstStyle/>
+          <a:p>
+            <a:pPr algn="ctr"/>
+            <a:endParaRPr lang="zh-CN" altLang="en-US" sz="1600" b="1"/>
+          </a:p>
+        </p:txBody>
+      </p:sp>
+      <p:sp>
+        <p:nvSpPr>
+          <p:cNvPr id="15" name="箭头: 右 14">
+            <a:extLst>
+              <a:ext uri="{FF2B5EF4-FFF2-40B4-BE49-F238E27FC236}">
+                <a16:creationId xmlns:a16="http://schemas.microsoft.com/office/drawing/2014/main" id="{1AE701FD-0E2B-41CF-89A1-AC0217396C3F}"/>
+              </a:ext>
+            </a:extLst>
+          </p:cNvPr>
+          <p:cNvSpPr/>
+          <p:nvPr/>
+        </p:nvSpPr>
+        <p:spPr>
+          <a:xfrm rot="5400000">
+            <a:off x="4499260" y="3900277"/>
+            <a:ext cx="1026820" cy="414143"/>
           </a:xfrm>
           <a:prstGeom prst="rightArrow">
             <a:avLst/>
